--- a/奇妙的雙手.pptx
+++ b/奇妙的雙手.pptx
@@ -107,6 +107,11 @@
       </a:defRPr>
     </a:lvl9pPr>
   </p:defaultTextStyle>
+  <p:extLst>
+    <p:ext uri="{EFAFB233-063F-42B5-8137-9DF3F51BA10A}">
+      <p15:sldGuideLst xmlns:p15="http://schemas.microsoft.com/office/powerpoint/2012/main"/>
+    </p:ext>
+  </p:extLst>
 </p:presentation>
 </file>
 
@@ -291,7 +296,7 @@
           <a:p>
             <a:fld id="{A268CA3F-AF30-40B2-A00B-76CE8F0B72A0}" type="datetimeFigureOut">
               <a:rPr lang="vi-VN" smtClean="0"/>
-              <a:t>13/06/2020</a:t>
+              <a:t>10/02/2021</a:t>
             </a:fld>
             <a:endParaRPr lang="vi-VN"/>
           </a:p>
@@ -461,7 +466,7 @@
           <a:p>
             <a:fld id="{A268CA3F-AF30-40B2-A00B-76CE8F0B72A0}" type="datetimeFigureOut">
               <a:rPr lang="vi-VN" smtClean="0"/>
-              <a:t>13/06/2020</a:t>
+              <a:t>10/02/2021</a:t>
             </a:fld>
             <a:endParaRPr lang="vi-VN"/>
           </a:p>
@@ -641,7 +646,7 @@
           <a:p>
             <a:fld id="{A268CA3F-AF30-40B2-A00B-76CE8F0B72A0}" type="datetimeFigureOut">
               <a:rPr lang="vi-VN" smtClean="0"/>
-              <a:t>13/06/2020</a:t>
+              <a:t>10/02/2021</a:t>
             </a:fld>
             <a:endParaRPr lang="vi-VN"/>
           </a:p>
@@ -811,7 +816,7 @@
           <a:p>
             <a:fld id="{A268CA3F-AF30-40B2-A00B-76CE8F0B72A0}" type="datetimeFigureOut">
               <a:rPr lang="vi-VN" smtClean="0"/>
-              <a:t>13/06/2020</a:t>
+              <a:t>10/02/2021</a:t>
             </a:fld>
             <a:endParaRPr lang="vi-VN"/>
           </a:p>
@@ -1057,7 +1062,7 @@
           <a:p>
             <a:fld id="{A268CA3F-AF30-40B2-A00B-76CE8F0B72A0}" type="datetimeFigureOut">
               <a:rPr lang="vi-VN" smtClean="0"/>
-              <a:t>13/06/2020</a:t>
+              <a:t>10/02/2021</a:t>
             </a:fld>
             <a:endParaRPr lang="vi-VN"/>
           </a:p>
@@ -1345,7 +1350,7 @@
           <a:p>
             <a:fld id="{A268CA3F-AF30-40B2-A00B-76CE8F0B72A0}" type="datetimeFigureOut">
               <a:rPr lang="vi-VN" smtClean="0"/>
-              <a:t>13/06/2020</a:t>
+              <a:t>10/02/2021</a:t>
             </a:fld>
             <a:endParaRPr lang="vi-VN"/>
           </a:p>
@@ -1767,7 +1772,7 @@
           <a:p>
             <a:fld id="{A268CA3F-AF30-40B2-A00B-76CE8F0B72A0}" type="datetimeFigureOut">
               <a:rPr lang="vi-VN" smtClean="0"/>
-              <a:t>13/06/2020</a:t>
+              <a:t>10/02/2021</a:t>
             </a:fld>
             <a:endParaRPr lang="vi-VN"/>
           </a:p>
@@ -1885,7 +1890,7 @@
           <a:p>
             <a:fld id="{A268CA3F-AF30-40B2-A00B-76CE8F0B72A0}" type="datetimeFigureOut">
               <a:rPr lang="vi-VN" smtClean="0"/>
-              <a:t>13/06/2020</a:t>
+              <a:t>10/02/2021</a:t>
             </a:fld>
             <a:endParaRPr lang="vi-VN"/>
           </a:p>
@@ -1980,7 +1985,7 @@
           <a:p>
             <a:fld id="{A268CA3F-AF30-40B2-A00B-76CE8F0B72A0}" type="datetimeFigureOut">
               <a:rPr lang="vi-VN" smtClean="0"/>
-              <a:t>13/06/2020</a:t>
+              <a:t>10/02/2021</a:t>
             </a:fld>
             <a:endParaRPr lang="vi-VN"/>
           </a:p>
@@ -2257,7 +2262,7 @@
           <a:p>
             <a:fld id="{A268CA3F-AF30-40B2-A00B-76CE8F0B72A0}" type="datetimeFigureOut">
               <a:rPr lang="vi-VN" smtClean="0"/>
-              <a:t>13/06/2020</a:t>
+              <a:t>10/02/2021</a:t>
             </a:fld>
             <a:endParaRPr lang="vi-VN"/>
           </a:p>
@@ -2514,7 +2519,7 @@
           <a:p>
             <a:fld id="{A268CA3F-AF30-40B2-A00B-76CE8F0B72A0}" type="datetimeFigureOut">
               <a:rPr lang="vi-VN" smtClean="0"/>
-              <a:t>13/06/2020</a:t>
+              <a:t>10/02/2021</a:t>
             </a:fld>
             <a:endParaRPr lang="vi-VN"/>
           </a:p>
@@ -2732,7 +2737,7 @@
           <a:p>
             <a:fld id="{A268CA3F-AF30-40B2-A00B-76CE8F0B72A0}" type="datetimeFigureOut">
               <a:rPr lang="vi-VN" smtClean="0"/>
-              <a:t>13/06/2020</a:t>
+              <a:t>10/02/2021</a:t>
             </a:fld>
             <a:endParaRPr lang="vi-VN"/>
           </a:p>
@@ -3345,44 +3350,23 @@
                 <a:latin typeface="Microsoft JhengHei" panose="020B0604030504040204" pitchFamily="34" charset="-120"/>
                 <a:ea typeface="Microsoft JhengHei" panose="020B0604030504040204" pitchFamily="34" charset="-120"/>
               </a:rPr>
-              <a:t>奇妙的恩</a:t>
-            </a:r>
+              <a:t>奇妙的恩典</a:t>
+            </a:r>
+            <a:endParaRPr lang="en-US" altLang="zh-TW" sz="5400" b="1" dirty="0">
+              <a:latin typeface="Microsoft JhengHei" panose="020B0604030504040204" pitchFamily="34" charset="-120"/>
+              <a:ea typeface="Microsoft JhengHei" panose="020B0604030504040204" pitchFamily="34" charset="-120"/>
+            </a:endParaRPr>
+          </a:p>
+          <a:p>
+            <a:pPr marL="0" indent="0" algn="ctr">
+              <a:buNone/>
+            </a:pPr>
             <a:r>
               <a:rPr lang="zh-TW" altLang="en-US" sz="5400" b="1" dirty="0">
                 <a:latin typeface="Microsoft JhengHei" panose="020B0604030504040204" pitchFamily="34" charset="-120"/>
                 <a:ea typeface="Microsoft JhengHei" panose="020B0604030504040204" pitchFamily="34" charset="-120"/>
               </a:rPr>
-              <a:t>典</a:t>
-            </a:r>
-            <a:endParaRPr lang="en-US" altLang="zh-TW" sz="5400" b="1" dirty="0">
-              <a:latin typeface="Microsoft JhengHei" panose="020B0604030504040204" pitchFamily="34" charset="-120"/>
-              <a:ea typeface="Microsoft JhengHei" panose="020B0604030504040204" pitchFamily="34" charset="-120"/>
-            </a:endParaRPr>
-          </a:p>
-          <a:p>
-            <a:pPr marL="0" indent="0" algn="ctr">
-              <a:buNone/>
-            </a:pPr>
-            <a:r>
-              <a:rPr lang="zh-TW" altLang="en-US" sz="5400" b="1" dirty="0">
-                <a:latin typeface="Microsoft JhengHei" panose="020B0604030504040204" pitchFamily="34" charset="-120"/>
-                <a:ea typeface="Microsoft JhengHei" panose="020B0604030504040204" pitchFamily="34" charset="-120"/>
-              </a:rPr>
-              <a:t>讓</a:t>
-            </a:r>
-            <a:r>
-              <a:rPr lang="zh-TW" altLang="en-US" sz="5400" b="1" dirty="0">
-                <a:latin typeface="Microsoft JhengHei" panose="020B0604030504040204" pitchFamily="34" charset="-120"/>
-                <a:ea typeface="Microsoft JhengHei" panose="020B0604030504040204" pitchFamily="34" charset="-120"/>
-              </a:rPr>
-              <a:t>我又得著美好的新</a:t>
-            </a:r>
-            <a:r>
-              <a:rPr lang="zh-TW" altLang="en-US" sz="5400" b="1" dirty="0">
-                <a:latin typeface="Microsoft JhengHei" panose="020B0604030504040204" pitchFamily="34" charset="-120"/>
-                <a:ea typeface="Microsoft JhengHei" panose="020B0604030504040204" pitchFamily="34" charset="-120"/>
-              </a:rPr>
-              <a:t>生</a:t>
+              <a:t>讓我又得著美好的新生</a:t>
             </a:r>
             <a:r>
               <a:rPr lang="zh-CN" altLang="en-US" sz="5400" b="1" dirty="0">
@@ -3405,35 +3389,7 @@
                 <a:latin typeface="Microsoft JhengHei" panose="020B0604030504040204" pitchFamily="34" charset="-120"/>
                 <a:ea typeface="Microsoft JhengHei" panose="020B0604030504040204" pitchFamily="34" charset="-120"/>
               </a:rPr>
-              <a:t>我</a:t>
-            </a:r>
-            <a:r>
-              <a:rPr lang="zh-TW" altLang="en-US" sz="5400" b="1" dirty="0">
-                <a:latin typeface="Microsoft JhengHei" panose="020B0604030504040204" pitchFamily="34" charset="-120"/>
-                <a:ea typeface="Microsoft JhengHei" panose="020B0604030504040204" pitchFamily="34" charset="-120"/>
-              </a:rPr>
-              <a:t>永遠歌</a:t>
-            </a:r>
-            <a:r>
-              <a:rPr lang="zh-TW" altLang="en-US" sz="5400" b="1" dirty="0">
-                <a:latin typeface="Microsoft JhengHei" panose="020B0604030504040204" pitchFamily="34" charset="-120"/>
-                <a:ea typeface="Microsoft JhengHei" panose="020B0604030504040204" pitchFamily="34" charset="-120"/>
-              </a:rPr>
-              <a:t>頌  我</a:t>
-            </a:r>
-            <a:r>
-              <a:rPr lang="zh-TW" altLang="en-US" sz="5400" b="1" dirty="0">
-                <a:latin typeface="Microsoft JhengHei" panose="020B0604030504040204" pitchFamily="34" charset="-120"/>
-                <a:ea typeface="Microsoft JhengHei" panose="020B0604030504040204" pitchFamily="34" charset="-120"/>
-              </a:rPr>
-              <a:t>永遠讚</a:t>
-            </a:r>
-            <a:r>
-              <a:rPr lang="zh-TW" altLang="en-US" sz="5400" b="1" dirty="0">
-                <a:latin typeface="Microsoft JhengHei" panose="020B0604030504040204" pitchFamily="34" charset="-120"/>
-                <a:ea typeface="Microsoft JhengHei" panose="020B0604030504040204" pitchFamily="34" charset="-120"/>
-              </a:rPr>
-              <a:t>美</a:t>
+              <a:t>我永遠歌頌  我永遠讚美</a:t>
             </a:r>
             <a:endParaRPr lang="en-US" altLang="zh-TW" sz="5400" b="1" dirty="0">
               <a:latin typeface="Microsoft JhengHei" panose="020B0604030504040204" pitchFamily="34" charset="-120"/>
@@ -3585,44 +3541,23 @@
                 <a:latin typeface="Microsoft JhengHei" panose="020B0604030504040204" pitchFamily="34" charset="-120"/>
                 <a:ea typeface="Microsoft JhengHei" panose="020B0604030504040204" pitchFamily="34" charset="-120"/>
               </a:rPr>
-              <a:t>奇妙的雙</a:t>
-            </a:r>
+              <a:t>奇妙的雙手</a:t>
+            </a:r>
+            <a:endParaRPr lang="en-US" altLang="zh-TW" sz="5400" b="1" dirty="0">
+              <a:latin typeface="Microsoft JhengHei" panose="020B0604030504040204" pitchFamily="34" charset="-120"/>
+              <a:ea typeface="Microsoft JhengHei" panose="020B0604030504040204" pitchFamily="34" charset="-120"/>
+            </a:endParaRPr>
+          </a:p>
+          <a:p>
+            <a:pPr marL="0" indent="0" algn="ctr">
+              <a:buNone/>
+            </a:pPr>
             <a:r>
               <a:rPr lang="zh-TW" altLang="en-US" sz="5400" b="1" dirty="0">
                 <a:latin typeface="Microsoft JhengHei" panose="020B0604030504040204" pitchFamily="34" charset="-120"/>
                 <a:ea typeface="Microsoft JhengHei" panose="020B0604030504040204" pitchFamily="34" charset="-120"/>
               </a:rPr>
-              <a:t>手</a:t>
-            </a:r>
-            <a:endParaRPr lang="en-US" altLang="zh-TW" sz="5400" b="1" dirty="0">
-              <a:latin typeface="Microsoft JhengHei" panose="020B0604030504040204" pitchFamily="34" charset="-120"/>
-              <a:ea typeface="Microsoft JhengHei" panose="020B0604030504040204" pitchFamily="34" charset="-120"/>
-            </a:endParaRPr>
-          </a:p>
-          <a:p>
-            <a:pPr marL="0" indent="0" algn="ctr">
-              <a:buNone/>
-            </a:pPr>
-            <a:r>
-              <a:rPr lang="zh-TW" altLang="en-US" sz="5400" b="1" dirty="0">
-                <a:latin typeface="Microsoft JhengHei" panose="020B0604030504040204" pitchFamily="34" charset="-120"/>
-                <a:ea typeface="Microsoft JhengHei" panose="020B0604030504040204" pitchFamily="34" charset="-120"/>
-              </a:rPr>
-              <a:t>哦</a:t>
-            </a:r>
-            <a:r>
-              <a:rPr lang="zh-TW" altLang="en-US" sz="5400" b="1" dirty="0">
-                <a:latin typeface="Microsoft JhengHei" panose="020B0604030504040204" pitchFamily="34" charset="-120"/>
-                <a:ea typeface="Microsoft JhengHei" panose="020B0604030504040204" pitchFamily="34" charset="-120"/>
-              </a:rPr>
-              <a:t> </a:t>
-            </a:r>
-            <a:r>
-              <a:rPr lang="zh-TW" altLang="en-US" sz="5400" b="1" dirty="0">
-                <a:latin typeface="Microsoft JhengHei" panose="020B0604030504040204" pitchFamily="34" charset="-120"/>
-                <a:ea typeface="Microsoft JhengHei" panose="020B0604030504040204" pitchFamily="34" charset="-120"/>
-              </a:rPr>
-              <a:t> </a:t>
+              <a:t>哦  </a:t>
             </a:r>
             <a:r>
               <a:rPr lang="zh-TW" altLang="en-US" sz="5400" b="1" dirty="0" smtClean="0">
@@ -3740,57 +3675,36 @@
               <a:buNone/>
             </a:pPr>
             <a:r>
-              <a:rPr lang="zh-TW" altLang="en-US" sz="5400" b="1" dirty="0">
+              <a:rPr lang="zh-TW" altLang="en-US" sz="5400" b="1" dirty="0" smtClean="0">
                 <a:latin typeface="Microsoft JhengHei" panose="020B0604030504040204" pitchFamily="34" charset="-120"/>
                 <a:ea typeface="Microsoft JhengHei" panose="020B0604030504040204" pitchFamily="34" charset="-120"/>
               </a:rPr>
-              <a:t>奇妙的恩</a:t>
-            </a:r>
-            <a:r>
-              <a:rPr lang="zh-TW" altLang="en-US" sz="5400" b="1" dirty="0">
+              <a:t>奇妙的恩典</a:t>
+            </a:r>
+            <a:endParaRPr lang="en-US" altLang="zh-TW" sz="5400" b="1" dirty="0" smtClean="0">
+              <a:latin typeface="Microsoft JhengHei" panose="020B0604030504040204" pitchFamily="34" charset="-120"/>
+              <a:ea typeface="Microsoft JhengHei" panose="020B0604030504040204" pitchFamily="34" charset="-120"/>
+            </a:endParaRPr>
+          </a:p>
+          <a:p>
+            <a:pPr marL="0" indent="0" algn="ctr">
+              <a:buNone/>
+            </a:pPr>
+            <a:r>
+              <a:rPr lang="zh-TW" altLang="en-US" sz="5400" b="1" dirty="0" smtClean="0">
                 <a:latin typeface="Microsoft JhengHei" panose="020B0604030504040204" pitchFamily="34" charset="-120"/>
                 <a:ea typeface="Microsoft JhengHei" panose="020B0604030504040204" pitchFamily="34" charset="-120"/>
               </a:rPr>
-              <a:t>典</a:t>
-            </a:r>
-            <a:endParaRPr lang="en-US" altLang="zh-TW" sz="5400" b="1" dirty="0">
-              <a:latin typeface="Microsoft JhengHei" panose="020B0604030504040204" pitchFamily="34" charset="-120"/>
-              <a:ea typeface="Microsoft JhengHei" panose="020B0604030504040204" pitchFamily="34" charset="-120"/>
-            </a:endParaRPr>
-          </a:p>
-          <a:p>
-            <a:pPr marL="0" indent="0" algn="ctr">
-              <a:buNone/>
-            </a:pPr>
-            <a:r>
-              <a:rPr lang="zh-TW" altLang="en-US" sz="5400" b="1" dirty="0">
-                <a:latin typeface="Microsoft JhengHei" panose="020B0604030504040204" pitchFamily="34" charset="-120"/>
-                <a:ea typeface="Microsoft JhengHei" panose="020B0604030504040204" pitchFamily="34" charset="-120"/>
-              </a:rPr>
-              <a:t>讓</a:t>
-            </a:r>
-            <a:r>
-              <a:rPr lang="zh-TW" altLang="en-US" sz="5400" b="1" dirty="0">
-                <a:latin typeface="Microsoft JhengHei" panose="020B0604030504040204" pitchFamily="34" charset="-120"/>
-                <a:ea typeface="Microsoft JhengHei" panose="020B0604030504040204" pitchFamily="34" charset="-120"/>
-              </a:rPr>
-              <a:t>我又得著美好的新</a:t>
-            </a:r>
-            <a:r>
-              <a:rPr lang="zh-TW" altLang="en-US" sz="5400" b="1" dirty="0">
-                <a:latin typeface="Microsoft JhengHei" panose="020B0604030504040204" pitchFamily="34" charset="-120"/>
-                <a:ea typeface="Microsoft JhengHei" panose="020B0604030504040204" pitchFamily="34" charset="-120"/>
-              </a:rPr>
-              <a:t>生</a:t>
-            </a:r>
-            <a:r>
-              <a:rPr lang="zh-CN" altLang="en-US" sz="5400" b="1" dirty="0">
+              <a:t>讓我又得著美好的新生</a:t>
+            </a:r>
+            <a:r>
+              <a:rPr lang="zh-CN" altLang="en-US" sz="5400" b="1" dirty="0" smtClean="0">
                 <a:latin typeface="Microsoft JhengHei" panose="020B0604030504040204" pitchFamily="34" charset="-120"/>
                 <a:ea typeface="Microsoft JhengHei" panose="020B0604030504040204" pitchFamily="34" charset="-120"/>
               </a:rPr>
               <a:t>命</a:t>
             </a:r>
-            <a:endParaRPr lang="en-US" altLang="zh-TW" sz="5400" b="1" dirty="0">
+            <a:endParaRPr lang="en-US" altLang="zh-TW" sz="5400" b="1" dirty="0" smtClean="0">
               <a:latin typeface="Microsoft JhengHei" panose="020B0604030504040204" pitchFamily="34" charset="-120"/>
               <a:ea typeface="Microsoft JhengHei" panose="020B0604030504040204" pitchFamily="34" charset="-120"/>
             </a:endParaRPr>
@@ -3800,41 +3714,13 @@
               <a:buNone/>
             </a:pPr>
             <a:r>
-              <a:rPr lang="zh-TW" altLang="en-US" sz="5400" b="1" dirty="0">
+              <a:rPr lang="zh-TW" altLang="en-US" sz="5400" b="1" dirty="0" smtClean="0">
                 <a:latin typeface="Microsoft JhengHei" panose="020B0604030504040204" pitchFamily="34" charset="-120"/>
                 <a:ea typeface="Microsoft JhengHei" panose="020B0604030504040204" pitchFamily="34" charset="-120"/>
               </a:rPr>
-              <a:t>我</a:t>
-            </a:r>
-            <a:r>
-              <a:rPr lang="zh-TW" altLang="en-US" sz="5400" b="1" dirty="0">
-                <a:latin typeface="Microsoft JhengHei" panose="020B0604030504040204" pitchFamily="34" charset="-120"/>
-                <a:ea typeface="Microsoft JhengHei" panose="020B0604030504040204" pitchFamily="34" charset="-120"/>
-              </a:rPr>
-              <a:t>永遠歌</a:t>
-            </a:r>
-            <a:r>
-              <a:rPr lang="zh-TW" altLang="en-US" sz="5400" b="1" dirty="0">
-                <a:latin typeface="Microsoft JhengHei" panose="020B0604030504040204" pitchFamily="34" charset="-120"/>
-                <a:ea typeface="Microsoft JhengHei" panose="020B0604030504040204" pitchFamily="34" charset="-120"/>
-              </a:rPr>
-              <a:t>頌  我</a:t>
-            </a:r>
-            <a:r>
-              <a:rPr lang="zh-TW" altLang="en-US" sz="5400" b="1" dirty="0">
-                <a:latin typeface="Microsoft JhengHei" panose="020B0604030504040204" pitchFamily="34" charset="-120"/>
-                <a:ea typeface="Microsoft JhengHei" panose="020B0604030504040204" pitchFamily="34" charset="-120"/>
-              </a:rPr>
-              <a:t>永遠讚</a:t>
-            </a:r>
-            <a:r>
-              <a:rPr lang="zh-TW" altLang="en-US" sz="5400" b="1" dirty="0">
-                <a:latin typeface="Microsoft JhengHei" panose="020B0604030504040204" pitchFamily="34" charset="-120"/>
-                <a:ea typeface="Microsoft JhengHei" panose="020B0604030504040204" pitchFamily="34" charset="-120"/>
-              </a:rPr>
-              <a:t>美</a:t>
-            </a:r>
-            <a:endParaRPr lang="en-US" altLang="zh-TW" sz="5400" b="1" dirty="0">
+              <a:t>我永遠歌頌  我永遠讚美</a:t>
+            </a:r>
+            <a:endParaRPr lang="en-US" altLang="zh-TW" sz="5400" b="1" dirty="0" smtClean="0">
               <a:latin typeface="Microsoft JhengHei" panose="020B0604030504040204" pitchFamily="34" charset="-120"/>
               <a:ea typeface="Microsoft JhengHei" panose="020B0604030504040204" pitchFamily="34" charset="-120"/>
             </a:endParaRPr>
